--- a/Presentations/PsychoBot - 1st Sprint.pptx
+++ b/Presentations/PsychoBot - 1st Sprint.pptx
@@ -115,6 +115,11 @@
       </a:defRPr>
     </a:lvl9pPr>
   </p:defaultTextStyle>
+  <p:extLst>
+    <p:ext uri="{EFAFB233-063F-42B5-8137-9DF3F51BA10A}">
+      <p15:sldGuideLst xmlns:p15="http://schemas.microsoft.com/office/powerpoint/2012/main"/>
+    </p:ext>
+  </p:extLst>
 </p:presentation>
 </file>
 
@@ -3496,26 +3501,52 @@
         </p:nvSpPr>
         <p:spPr/>
         <p:txBody>
-          <a:bodyPr/>
+          <a:bodyPr>
+            <a:normAutofit/>
+          </a:bodyPr>
           <a:lstStyle/>
           <a:p>
             <a:pPr algn="l" rtl="0"/>
             <a:r>
-              <a:rPr lang="en-US" dirty="0" smtClean="0">
+              <a:rPr lang="en-US" sz="2400" dirty="0" smtClean="0">
                 <a:latin typeface="Poppins Regular" panose="00000500000000000000" pitchFamily="2" charset="0"/>
               </a:rPr>
-              <a:t>Neural Network – with LSTM Architecture (Long short term memory)</a:t>
-            </a:r>
-          </a:p>
-          <a:p>
-            <a:pPr algn="l" rtl="0"/>
-            <a:r>
-              <a:rPr lang="en-US" dirty="0" smtClean="0">
+              <a:t>Neural Network – with LSTM Architecture (Long </a:t>
+            </a:r>
+            <a:r>
+              <a:rPr lang="en-US" sz="2400" dirty="0" smtClean="0">
                 <a:latin typeface="Poppins Regular" panose="00000500000000000000" pitchFamily="2" charset="0"/>
               </a:rPr>
-              <a:t>Dataset loading and parsing (Word embedding, Lemmatization)</a:t>
-            </a:r>
-            <a:endParaRPr lang="he-IL" dirty="0">
+              <a:t>short-term </a:t>
+            </a:r>
+            <a:r>
+              <a:rPr lang="en-US" sz="2400" dirty="0" smtClean="0">
+                <a:latin typeface="Poppins Regular" panose="00000500000000000000" pitchFamily="2" charset="0"/>
+              </a:rPr>
+              <a:t>memory)</a:t>
+            </a:r>
+          </a:p>
+          <a:p>
+            <a:pPr algn="l" rtl="0"/>
+            <a:r>
+              <a:rPr lang="en-US" sz="2400" dirty="0" smtClean="0">
+                <a:latin typeface="Poppins Regular" panose="00000500000000000000" pitchFamily="2" charset="0"/>
+              </a:rPr>
+              <a:t>Dataset loading and parsing (Word embedding, </a:t>
+            </a:r>
+            <a:r>
+              <a:rPr lang="en-US" sz="2400" dirty="0" smtClean="0">
+                <a:latin typeface="Poppins Regular" panose="00000500000000000000" pitchFamily="2" charset="0"/>
+              </a:rPr>
+              <a:t>Sterilization, and Lemmatization</a:t>
+            </a:r>
+            <a:r>
+              <a:rPr lang="en-US" sz="2400" dirty="0" smtClean="0">
+                <a:latin typeface="Poppins Regular" panose="00000500000000000000" pitchFamily="2" charset="0"/>
+              </a:rPr>
+              <a:t>)</a:t>
+            </a:r>
+            <a:endParaRPr lang="he-IL" sz="2400" dirty="0">
               <a:latin typeface="Poppins Regular" panose="00000500000000000000" pitchFamily="2" charset="0"/>
             </a:endParaRPr>
           </a:p>
@@ -3759,8 +3790,8 @@
         </p:blipFill>
         <p:spPr>
           <a:xfrm>
-            <a:off x="1236354" y="1212782"/>
-            <a:ext cx="9719291" cy="4351338"/>
+            <a:off x="1572784" y="1554743"/>
+            <a:ext cx="8916937" cy="3992123"/>
           </a:xfrm>
         </p:spPr>
       </p:pic>
@@ -4076,7 +4107,31 @@
                 <a:latin typeface="Poppins Regular" panose="00000500000000000000" pitchFamily="2" charset="0"/>
                 <a:cs typeface="Poppins Regular" panose="00000500000000000000" pitchFamily="2" charset="0"/>
               </a:rPr>
-              <a:t>API and Website</a:t>
+              <a:t>API and </a:t>
+            </a:r>
+            <a:r>
+              <a:rPr lang="en-US" sz="2400" dirty="0" smtClean="0">
+                <a:latin typeface="Poppins Regular" panose="00000500000000000000" pitchFamily="2" charset="0"/>
+                <a:cs typeface="Poppins Regular" panose="00000500000000000000" pitchFamily="2" charset="0"/>
+              </a:rPr>
+              <a:t>Website</a:t>
+            </a:r>
+          </a:p>
+          <a:p>
+            <a:pPr algn="l" rtl="0"/>
+            <a:r>
+              <a:rPr lang="en-US" sz="2400" dirty="0" smtClean="0">
+                <a:latin typeface="Poppins Regular" panose="00000500000000000000" pitchFamily="2" charset="0"/>
+                <a:cs typeface="Poppins Regular" panose="00000500000000000000" pitchFamily="2" charset="0"/>
+              </a:rPr>
+              <a:t>Improvement of the LSTM </a:t>
+            </a:r>
+            <a:r>
+              <a:rPr lang="en-US" sz="2400" dirty="0" err="1" smtClean="0">
+                <a:latin typeface="Poppins Regular" panose="00000500000000000000" pitchFamily="2" charset="0"/>
+                <a:cs typeface="Poppins Regular" panose="00000500000000000000" pitchFamily="2" charset="0"/>
+              </a:rPr>
+              <a:t>Architedture</a:t>
             </a:r>
             <a:endParaRPr lang="en-US" sz="2400" dirty="0">
               <a:latin typeface="Poppins Regular" panose="00000500000000000000" pitchFamily="2" charset="0"/>

--- a/Presentations/PsychoBot - 1st Sprint.pptx
+++ b/Presentations/PsychoBot - 1st Sprint.pptx
@@ -3172,37 +3172,51 @@
       </p:grpSpPr>
       <p:sp>
         <p:nvSpPr>
-          <p:cNvPr id="2" name="כותרת 1"/>
-          <p:cNvSpPr>
-            <a:spLocks noGrp="1"/>
-          </p:cNvSpPr>
-          <p:nvPr>
-            <p:ph type="title"/>
-          </p:nvPr>
+          <p:cNvPr id="3" name="מלבן 2">
+            <a:hlinkClick r:id="rId2"/>
+          </p:cNvPr>
+          <p:cNvSpPr/>
+          <p:nvPr/>
         </p:nvSpPr>
         <p:spPr>
           <a:xfrm>
-            <a:off x="877111" y="2675731"/>
-            <a:ext cx="10515600" cy="1325563"/>
+            <a:off x="3649658" y="3244334"/>
+            <a:ext cx="4892685" cy="369332"/>
           </a:xfrm>
+          <a:prstGeom prst="rect">
+            <a:avLst/>
+          </a:prstGeom>
         </p:spPr>
         <p:txBody>
-          <a:bodyPr>
-            <a:normAutofit/>
+          <a:bodyPr wrap="none">
+            <a:spAutoFit/>
           </a:bodyPr>
           <a:lstStyle/>
           <a:p>
-            <a:pPr algn="ctr"/>
-            <a:r>
-              <a:rPr lang="en-US" sz="3600" dirty="0" smtClean="0">
-                <a:latin typeface="Poppins Medium" panose="00000600000000000000" pitchFamily="2" charset="0"/>
-                <a:cs typeface="Poppins Medium" panose="00000600000000000000" pitchFamily="2" charset="0"/>
-              </a:rPr>
-              <a:t>Questions?</a:t>
-            </a:r>
-            <a:endParaRPr lang="he-IL" sz="3600" dirty="0">
-              <a:latin typeface="Poppins Medium" panose="00000600000000000000" pitchFamily="2" charset="0"/>
-            </a:endParaRPr>
+            <a:pPr algn="l" rtl="0"/>
+            <a:r>
+              <a:rPr lang="he-IL" dirty="0"/>
+              <a:t>https://www.youtube.com/watch?v=8rQPJnyGLlY</a:t>
+            </a:r>
+          </a:p>
+        </p:txBody>
+      </p:sp>
+      <p:sp>
+        <p:nvSpPr>
+          <p:cNvPr id="4" name="כותרת 3"/>
+          <p:cNvSpPr>
+            <a:spLocks noGrp="1"/>
+          </p:cNvSpPr>
+          <p:nvPr>
+            <p:ph type="title"/>
+          </p:nvPr>
+        </p:nvSpPr>
+        <p:spPr/>
+        <p:txBody>
+          <a:bodyPr/>
+          <a:lstStyle/>
+          <a:p>
+            <a:endParaRPr lang="he-IL"/>
           </a:p>
         </p:txBody>
       </p:sp>
@@ -3511,40 +3525,16 @@
               <a:rPr lang="en-US" sz="2400" dirty="0" smtClean="0">
                 <a:latin typeface="Poppins Regular" panose="00000500000000000000" pitchFamily="2" charset="0"/>
               </a:rPr>
-              <a:t>Neural Network – with LSTM Architecture (Long </a:t>
-            </a:r>
+              <a:t>Neural Network – with LSTM Architecture (Long short-term memory)</a:t>
+            </a:r>
+          </a:p>
+          <a:p>
+            <a:pPr algn="l" rtl="0"/>
             <a:r>
               <a:rPr lang="en-US" sz="2400" dirty="0" smtClean="0">
                 <a:latin typeface="Poppins Regular" panose="00000500000000000000" pitchFamily="2" charset="0"/>
               </a:rPr>
-              <a:t>short-term </a:t>
-            </a:r>
-            <a:r>
-              <a:rPr lang="en-US" sz="2400" dirty="0" smtClean="0">
-                <a:latin typeface="Poppins Regular" panose="00000500000000000000" pitchFamily="2" charset="0"/>
-              </a:rPr>
-              <a:t>memory)</a:t>
-            </a:r>
-          </a:p>
-          <a:p>
-            <a:pPr algn="l" rtl="0"/>
-            <a:r>
-              <a:rPr lang="en-US" sz="2400" dirty="0" smtClean="0">
-                <a:latin typeface="Poppins Regular" panose="00000500000000000000" pitchFamily="2" charset="0"/>
-              </a:rPr>
-              <a:t>Dataset loading and parsing (Word embedding, </a:t>
-            </a:r>
-            <a:r>
-              <a:rPr lang="en-US" sz="2400" dirty="0" smtClean="0">
-                <a:latin typeface="Poppins Regular" panose="00000500000000000000" pitchFamily="2" charset="0"/>
-              </a:rPr>
-              <a:t>Sterilization, and Lemmatization</a:t>
-            </a:r>
-            <a:r>
-              <a:rPr lang="en-US" sz="2400" dirty="0" smtClean="0">
-                <a:latin typeface="Poppins Regular" panose="00000500000000000000" pitchFamily="2" charset="0"/>
-              </a:rPr>
-              <a:t>)</a:t>
+              <a:t>Dataset loading and parsing (Word embedding, Sterilization, and Lemmatization)</a:t>
             </a:r>
             <a:endParaRPr lang="he-IL" sz="2400" dirty="0">
               <a:latin typeface="Poppins Regular" panose="00000500000000000000" pitchFamily="2" charset="0"/>
@@ -4107,14 +4097,7 @@
                 <a:latin typeface="Poppins Regular" panose="00000500000000000000" pitchFamily="2" charset="0"/>
                 <a:cs typeface="Poppins Regular" panose="00000500000000000000" pitchFamily="2" charset="0"/>
               </a:rPr>
-              <a:t>API and </a:t>
-            </a:r>
-            <a:r>
-              <a:rPr lang="en-US" sz="2400" dirty="0" smtClean="0">
-                <a:latin typeface="Poppins Regular" panose="00000500000000000000" pitchFamily="2" charset="0"/>
-                <a:cs typeface="Poppins Regular" panose="00000500000000000000" pitchFamily="2" charset="0"/>
-              </a:rPr>
-              <a:t>Website</a:t>
+              <a:t>API and Website</a:t>
             </a:r>
           </a:p>
           <a:p>
